--- a/TranslationManchester/TranslationManchester Poster S Bate.pptx
+++ b/TranslationManchester/TranslationManchester Poster S Bate.pptx
@@ -3911,7 +3911,7 @@
           <p:nvPr>
             <p:extLst>
               <p:ext uri="{D42A27DB-BD31-4B8C-83A1-F6EECF244321}">
-                <p14:modId xmlns:p14="http://schemas.microsoft.com/office/powerpoint/2010/main" val="700171781"/>
+                <p14:modId xmlns:p14="http://schemas.microsoft.com/office/powerpoint/2010/main" val="734270417"/>
               </p:ext>
             </p:extLst>
           </p:nvPr>
@@ -4185,7 +4185,7 @@
                           <a:ea typeface="+mn-ea"/>
                           <a:cs typeface="+mn-cs"/>
                         </a:rPr>
-                        <a:t>Kaplan-Meier estimates and Harrell’s C were used to assess model performance. Cox Proportion Hazards were used to reweigh risk factors and develop a modified scoring system, with points assigned proportional to the parameters beta coefficient. </a:t>
+                        <a:t>Kaplan-Meier estimates and Harrell’s C were used to assess model performance. Cox Proportional Hazards were used to reweigh risk factors and develop a modified scoring system, with points assigned proportional to the parameters’ beta coefficients. </a:t>
                       </a:r>
                     </a:p>
                     <a:p>
@@ -4264,7 +4264,31 @@
                           <a:ea typeface="+mn-ea"/>
                           <a:cs typeface="+mn-cs"/>
                         </a:rPr>
-                        <a:t>), the percentage of normal glomeruli in the kidney biopsy (N0: normal &gt;25%, N1: normal 10%-25%, N2: &lt;10%) and the simplified cut-off for tubular atrophy and interstitial fibrosis (T0: IFTA none, mild (or &lt;25%), T1: IFTA mild to moderate – severe (or ≥25%)). Normal glomeruli were defined as glomeruli without any scarring, crescents or fibrinoid necrosis within in the tuft. </a:t>
+                        <a:t>), the percentage of normal glomeruli in the kidney biopsy (N0: normal &gt;25%, N1: normal 10%-25%, N2: &lt;10%) and the simplified cut-off for interstitial fibrosis  and tubular </a:t>
+                      </a:r>
+                      <a:r>
+                        <a:rPr lang="en-US" sz="3200" kern="1200">
+                          <a:solidFill>
+                            <a:schemeClr val="dk1"/>
+                          </a:solidFill>
+                          <a:effectLst/>
+                          <a:latin typeface="+mn-lt"/>
+                          <a:ea typeface="+mn-ea"/>
+                          <a:cs typeface="+mn-cs"/>
+                        </a:rPr>
+                        <a:t>atrophy (</a:t>
+                      </a:r>
+                      <a:r>
+                        <a:rPr lang="en-US" sz="3200" kern="1200" dirty="0">
+                          <a:solidFill>
+                            <a:schemeClr val="dk1"/>
+                          </a:solidFill>
+                          <a:effectLst/>
+                          <a:latin typeface="+mn-lt"/>
+                          <a:ea typeface="+mn-ea"/>
+                          <a:cs typeface="+mn-cs"/>
+                        </a:rPr>
+                        <a:t>T0: IFTA none, mild (or &lt;25%), T1: IFTA mild to moderate – severe (or ≥25%)). Normal glomeruli were defined as glomeruli without any scarring, crescents or fibrinoid necrosis within in the tuft. </a:t>
                       </a:r>
                     </a:p>
                     <a:p>
@@ -9691,14 +9715,12 @@
 </file>
 
 <file path=customXml/item1.xml><?xml version="1.0" encoding="utf-8"?>
-<p:properties xmlns:p="http://schemas.microsoft.com/office/2006/metadata/properties" xmlns:xsi="http://www.w3.org/2001/XMLSchema-instance" xmlns:pc="http://schemas.microsoft.com/office/infopath/2007/PartnerControls">
-  <documentManagement>
-    <TaxCatchAll xmlns="3ef42204-ddd4-45ed-8881-ecfaca3d0700" xsi:nil="true"/>
-    <lcf76f155ced4ddcb4097134ff3c332f xmlns="6637f567-d4f0-4507-9720-0740b85dd76b">
-      <Terms xmlns="http://schemas.microsoft.com/office/infopath/2007/PartnerControls"/>
-    </lcf76f155ced4ddcb4097134ff3c332f>
-  </documentManagement>
-</p:properties>
+<?mso-contentType ?>
+<FormTemplates xmlns="http://schemas.microsoft.com/sharepoint/v3/contenttype/forms">
+  <Display>DocumentLibraryForm</Display>
+  <Edit>DocumentLibraryForm</Edit>
+  <New>DocumentLibraryForm</New>
+</FormTemplates>
 </file>
 
 <file path=customXml/item2.xml><?xml version="1.0" encoding="utf-8"?>
@@ -9939,27 +9961,20 @@
 </file>
 
 <file path=customXml/item3.xml><?xml version="1.0" encoding="utf-8"?>
-<?mso-contentType ?>
-<FormTemplates xmlns="http://schemas.microsoft.com/sharepoint/v3/contenttype/forms">
-  <Display>DocumentLibraryForm</Display>
-  <Edit>DocumentLibraryForm</Edit>
-  <New>DocumentLibraryForm</New>
-</FormTemplates>
+<p:properties xmlns:p="http://schemas.microsoft.com/office/2006/metadata/properties" xmlns:xsi="http://www.w3.org/2001/XMLSchema-instance" xmlns:pc="http://schemas.microsoft.com/office/infopath/2007/PartnerControls">
+  <documentManagement>
+    <TaxCatchAll xmlns="3ef42204-ddd4-45ed-8881-ecfaca3d0700" xsi:nil="true"/>
+    <lcf76f155ced4ddcb4097134ff3c332f xmlns="6637f567-d4f0-4507-9720-0740b85dd76b">
+      <Terms xmlns="http://schemas.microsoft.com/office/infopath/2007/PartnerControls"/>
+    </lcf76f155ced4ddcb4097134ff3c332f>
+  </documentManagement>
+</p:properties>
 </file>
 
 <file path=customXml/itemProps1.xml><?xml version="1.0" encoding="utf-8"?>
-<ds:datastoreItem xmlns:ds="http://schemas.openxmlformats.org/officeDocument/2006/customXml" ds:itemID="{253CB56F-4B06-446E-8FD6-29A141C27219}">
+<ds:datastoreItem xmlns:ds="http://schemas.openxmlformats.org/officeDocument/2006/customXml" ds:itemID="{97B0F84E-ADB9-4905-810D-0BAF8CAA3B58}">
   <ds:schemaRefs>
-    <ds:schemaRef ds:uri="http://purl.org/dc/terms/"/>
-    <ds:schemaRef ds:uri="http://schemas.microsoft.com/office/2006/metadata/properties"/>
-    <ds:schemaRef ds:uri="http://schemas.microsoft.com/office/infopath/2007/PartnerControls"/>
-    <ds:schemaRef ds:uri="http://purl.org/dc/dcmitype/"/>
-    <ds:schemaRef ds:uri="http://purl.org/dc/elements/1.1/"/>
-    <ds:schemaRef ds:uri="http://schemas.microsoft.com/office/2006/documentManagement/types"/>
-    <ds:schemaRef ds:uri="http://schemas.openxmlformats.org/package/2006/metadata/core-properties"/>
-    <ds:schemaRef ds:uri="3ef42204-ddd4-45ed-8881-ecfaca3d0700"/>
-    <ds:schemaRef ds:uri="6637f567-d4f0-4507-9720-0740b85dd76b"/>
-    <ds:schemaRef ds:uri="http://www.w3.org/XML/1998/namespace"/>
+    <ds:schemaRef ds:uri="http://schemas.microsoft.com/sharepoint/v3/contenttype/forms"/>
   </ds:schemaRefs>
 </ds:datastoreItem>
 </file>
@@ -9984,9 +9999,18 @@
 </file>
 
 <file path=customXml/itemProps3.xml><?xml version="1.0" encoding="utf-8"?>
-<ds:datastoreItem xmlns:ds="http://schemas.openxmlformats.org/officeDocument/2006/customXml" ds:itemID="{97B0F84E-ADB9-4905-810D-0BAF8CAA3B58}">
+<ds:datastoreItem xmlns:ds="http://schemas.openxmlformats.org/officeDocument/2006/customXml" ds:itemID="{253CB56F-4B06-446E-8FD6-29A141C27219}">
   <ds:schemaRefs>
-    <ds:schemaRef ds:uri="http://schemas.microsoft.com/sharepoint/v3/contenttype/forms"/>
+    <ds:schemaRef ds:uri="3ef42204-ddd4-45ed-8881-ecfaca3d0700"/>
+    <ds:schemaRef ds:uri="http://purl.org/dc/dcmitype/"/>
+    <ds:schemaRef ds:uri="6637f567-d4f0-4507-9720-0740b85dd76b"/>
+    <ds:schemaRef ds:uri="http://purl.org/dc/elements/1.1/"/>
+    <ds:schemaRef ds:uri="http://schemas.microsoft.com/office/2006/metadata/properties"/>
+    <ds:schemaRef ds:uri="http://schemas.microsoft.com/office/2006/documentManagement/types"/>
+    <ds:schemaRef ds:uri="http://purl.org/dc/terms/"/>
+    <ds:schemaRef ds:uri="http://schemas.microsoft.com/office/infopath/2007/PartnerControls"/>
+    <ds:schemaRef ds:uri="http://schemas.openxmlformats.org/package/2006/metadata/core-properties"/>
+    <ds:schemaRef ds:uri="http://www.w3.org/XML/1998/namespace"/>
   </ds:schemaRefs>
 </ds:datastoreItem>
 </file>
--- a/TranslationManchester/TranslationManchester Poster S Bate.pptx
+++ b/TranslationManchester/TranslationManchester Poster S Bate.pptx
@@ -197,7 +197,7 @@
           <a:p>
             <a:fld id="{A431EEA5-A78F-DB45-96EB-FBF92640D929}" type="datetimeFigureOut">
               <a:rPr lang="en-GB" smtClean="0"/>
-              <a:t>27/10/2022</a:t>
+              <a:t>09/06/2023</a:t>
             </a:fld>
             <a:endParaRPr lang="en-GB"/>
           </a:p>
@@ -677,7 +677,7 @@
           <a:p>
             <a:fld id="{1717ADA9-02D2-416D-AE12-6CE0C9BB6E51}" type="datetimeFigureOut">
               <a:rPr lang="en-GB" smtClean="0"/>
-              <a:t>27/10/2022</a:t>
+              <a:t>09/06/2023</a:t>
             </a:fld>
             <a:endParaRPr lang="en-GB"/>
           </a:p>
@@ -845,7 +845,7 @@
           <a:p>
             <a:fld id="{1717ADA9-02D2-416D-AE12-6CE0C9BB6E51}" type="datetimeFigureOut">
               <a:rPr lang="en-GB" smtClean="0"/>
-              <a:t>27/10/2022</a:t>
+              <a:t>09/06/2023</a:t>
             </a:fld>
             <a:endParaRPr lang="en-GB"/>
           </a:p>
@@ -1023,7 +1023,7 @@
           <a:p>
             <a:fld id="{1717ADA9-02D2-416D-AE12-6CE0C9BB6E51}" type="datetimeFigureOut">
               <a:rPr lang="en-GB" smtClean="0"/>
-              <a:t>27/10/2022</a:t>
+              <a:t>09/06/2023</a:t>
             </a:fld>
             <a:endParaRPr lang="en-GB"/>
           </a:p>
@@ -1191,7 +1191,7 @@
           <a:p>
             <a:fld id="{1717ADA9-02D2-416D-AE12-6CE0C9BB6E51}" type="datetimeFigureOut">
               <a:rPr lang="en-GB" smtClean="0"/>
-              <a:t>27/10/2022</a:t>
+              <a:t>09/06/2023</a:t>
             </a:fld>
             <a:endParaRPr lang="en-GB"/>
           </a:p>
@@ -1434,7 +1434,7 @@
           <a:p>
             <a:fld id="{1717ADA9-02D2-416D-AE12-6CE0C9BB6E51}" type="datetimeFigureOut">
               <a:rPr lang="en-GB" smtClean="0"/>
-              <a:t>27/10/2022</a:t>
+              <a:t>09/06/2023</a:t>
             </a:fld>
             <a:endParaRPr lang="en-GB"/>
           </a:p>
@@ -1663,7 +1663,7 @@
           <a:p>
             <a:fld id="{1717ADA9-02D2-416D-AE12-6CE0C9BB6E51}" type="datetimeFigureOut">
               <a:rPr lang="en-GB" smtClean="0"/>
-              <a:t>27/10/2022</a:t>
+              <a:t>09/06/2023</a:t>
             </a:fld>
             <a:endParaRPr lang="en-GB"/>
           </a:p>
@@ -2027,7 +2027,7 @@
           <a:p>
             <a:fld id="{1717ADA9-02D2-416D-AE12-6CE0C9BB6E51}" type="datetimeFigureOut">
               <a:rPr lang="en-GB" smtClean="0"/>
-              <a:t>27/10/2022</a:t>
+              <a:t>09/06/2023</a:t>
             </a:fld>
             <a:endParaRPr lang="en-GB"/>
           </a:p>
@@ -2144,7 +2144,7 @@
           <a:p>
             <a:fld id="{1717ADA9-02D2-416D-AE12-6CE0C9BB6E51}" type="datetimeFigureOut">
               <a:rPr lang="en-GB" smtClean="0"/>
-              <a:t>27/10/2022</a:t>
+              <a:t>09/06/2023</a:t>
             </a:fld>
             <a:endParaRPr lang="en-GB"/>
           </a:p>
@@ -2239,7 +2239,7 @@
           <a:p>
             <a:fld id="{1717ADA9-02D2-416D-AE12-6CE0C9BB6E51}" type="datetimeFigureOut">
               <a:rPr lang="en-GB" smtClean="0"/>
-              <a:t>27/10/2022</a:t>
+              <a:t>09/06/2023</a:t>
             </a:fld>
             <a:endParaRPr lang="en-GB"/>
           </a:p>
@@ -2514,7 +2514,7 @@
           <a:p>
             <a:fld id="{1717ADA9-02D2-416D-AE12-6CE0C9BB6E51}" type="datetimeFigureOut">
               <a:rPr lang="en-GB" smtClean="0"/>
-              <a:t>27/10/2022</a:t>
+              <a:t>09/06/2023</a:t>
             </a:fld>
             <a:endParaRPr lang="en-GB"/>
           </a:p>
@@ -2769,7 +2769,7 @@
           <a:p>
             <a:fld id="{1717ADA9-02D2-416D-AE12-6CE0C9BB6E51}" type="datetimeFigureOut">
               <a:rPr lang="en-GB" smtClean="0"/>
-              <a:t>27/10/2022</a:t>
+              <a:t>09/06/2023</a:t>
             </a:fld>
             <a:endParaRPr lang="en-GB"/>
           </a:p>
@@ -2980,7 +2980,7 @@
           <a:p>
             <a:fld id="{1717ADA9-02D2-416D-AE12-6CE0C9BB6E51}" type="datetimeFigureOut">
               <a:rPr lang="en-GB" smtClean="0"/>
-              <a:t>27/10/2022</a:t>
+              <a:t>09/06/2023</a:t>
             </a:fld>
             <a:endParaRPr lang="en-GB"/>
           </a:p>
@@ -9715,15 +9715,6 @@
 </file>
 
 <file path=customXml/item1.xml><?xml version="1.0" encoding="utf-8"?>
-<?mso-contentType ?>
-<FormTemplates xmlns="http://schemas.microsoft.com/sharepoint/v3/contenttype/forms">
-  <Display>DocumentLibraryForm</Display>
-  <Edit>DocumentLibraryForm</Edit>
-  <New>DocumentLibraryForm</New>
-</FormTemplates>
-</file>
-
-<file path=customXml/item2.xml><?xml version="1.0" encoding="utf-8"?>
 <ct:contentTypeSchema xmlns:ct="http://schemas.microsoft.com/office/2006/metadata/contentType" xmlns:ma="http://schemas.microsoft.com/office/2006/metadata/properties/metaAttributes" ct:_="" ma:_="" ma:contentTypeName="Document" ma:contentTypeID="0x0101009BA089CDEB492C488C240576F281AECA" ma:contentTypeVersion="16" ma:contentTypeDescription="Create a new document." ma:contentTypeScope="" ma:versionID="c8fe2d6038c62676eeb1ac2f824f0f61">
   <xsd:schema xmlns:xsd="http://www.w3.org/2001/XMLSchema" xmlns:xs="http://www.w3.org/2001/XMLSchema" xmlns:p="http://schemas.microsoft.com/office/2006/metadata/properties" xmlns:ns2="6637f567-d4f0-4507-9720-0740b85dd76b" xmlns:ns3="3ef42204-ddd4-45ed-8881-ecfaca3d0700" targetNamespace="http://schemas.microsoft.com/office/2006/metadata/properties" ma:root="true" ma:fieldsID="e4b9200b32d36e4265739a3e7e293b56" ns2:_="" ns3:_="">
     <xsd:import namespace="6637f567-d4f0-4507-9720-0740b85dd76b"/>
@@ -9960,6 +9951,15 @@
 </ct:contentTypeSchema>
 </file>
 
+<file path=customXml/item2.xml><?xml version="1.0" encoding="utf-8"?>
+<?mso-contentType ?>
+<FormTemplates xmlns="http://schemas.microsoft.com/sharepoint/v3/contenttype/forms">
+  <Display>DocumentLibraryForm</Display>
+  <Edit>DocumentLibraryForm</Edit>
+  <New>DocumentLibraryForm</New>
+</FormTemplates>
+</file>
+
 <file path=customXml/item3.xml><?xml version="1.0" encoding="utf-8"?>
 <p:properties xmlns:p="http://schemas.microsoft.com/office/2006/metadata/properties" xmlns:xsi="http://www.w3.org/2001/XMLSchema-instance" xmlns:pc="http://schemas.microsoft.com/office/infopath/2007/PartnerControls">
   <documentManagement>
@@ -9972,14 +9972,6 @@
 </file>
 
 <file path=customXml/itemProps1.xml><?xml version="1.0" encoding="utf-8"?>
-<ds:datastoreItem xmlns:ds="http://schemas.openxmlformats.org/officeDocument/2006/customXml" ds:itemID="{97B0F84E-ADB9-4905-810D-0BAF8CAA3B58}">
-  <ds:schemaRefs>
-    <ds:schemaRef ds:uri="http://schemas.microsoft.com/sharepoint/v3/contenttype/forms"/>
-  </ds:schemaRefs>
-</ds:datastoreItem>
-</file>
-
-<file path=customXml/itemProps2.xml><?xml version="1.0" encoding="utf-8"?>
 <ds:datastoreItem xmlns:ds="http://schemas.openxmlformats.org/officeDocument/2006/customXml" ds:itemID="{B5149D3A-21CC-4A59-AEBA-08DE2C5A0804}">
   <ds:schemaRefs>
     <ds:schemaRef ds:uri="http://schemas.microsoft.com/office/2006/metadata/contentType"/>
@@ -9994,6 +9986,14 @@
     <ds:schemaRef ds:uri="http://purl.org/dc/elements/1.1/"/>
     <ds:schemaRef ds:uri="http://purl.org/dc/terms/"/>
     <ds:schemaRef ds:uri="http://schemas.microsoft.com/internal/obd"/>
+  </ds:schemaRefs>
+</ds:datastoreItem>
+</file>
+
+<file path=customXml/itemProps2.xml><?xml version="1.0" encoding="utf-8"?>
+<ds:datastoreItem xmlns:ds="http://schemas.openxmlformats.org/officeDocument/2006/customXml" ds:itemID="{97B0F84E-ADB9-4905-810D-0BAF8CAA3B58}">
+  <ds:schemaRefs>
+    <ds:schemaRef ds:uri="http://schemas.microsoft.com/sharepoint/v3/contenttype/forms"/>
   </ds:schemaRefs>
 </ds:datastoreItem>
 </file>
